--- a/recsys_content_based/readme_images/movie_rec_pipeline.pptx
+++ b/recsys_content_based/readme_images/movie_rec_pipeline.pptx
@@ -243,7 +243,7 @@
           <a:p>
             <a:fld id="{17FCDBB0-6DA1-4273-B163-CEF2F6BB3294}" type="datetimeFigureOut">
               <a:rPr lang="en-US" smtClean="0"/>
-              <a:t>8/20/2023</a:t>
+              <a:t>10/4/2023</a:t>
             </a:fld>
             <a:endParaRPr lang="en-US"/>
           </a:p>
@@ -413,7 +413,7 @@
           <a:p>
             <a:fld id="{17FCDBB0-6DA1-4273-B163-CEF2F6BB3294}" type="datetimeFigureOut">
               <a:rPr lang="en-US" smtClean="0"/>
-              <a:t>8/20/2023</a:t>
+              <a:t>10/4/2023</a:t>
             </a:fld>
             <a:endParaRPr lang="en-US"/>
           </a:p>
@@ -593,7 +593,7 @@
           <a:p>
             <a:fld id="{17FCDBB0-6DA1-4273-B163-CEF2F6BB3294}" type="datetimeFigureOut">
               <a:rPr lang="en-US" smtClean="0"/>
-              <a:t>8/20/2023</a:t>
+              <a:t>10/4/2023</a:t>
             </a:fld>
             <a:endParaRPr lang="en-US"/>
           </a:p>
@@ -763,7 +763,7 @@
           <a:p>
             <a:fld id="{17FCDBB0-6DA1-4273-B163-CEF2F6BB3294}" type="datetimeFigureOut">
               <a:rPr lang="en-US" smtClean="0"/>
-              <a:t>8/20/2023</a:t>
+              <a:t>10/4/2023</a:t>
             </a:fld>
             <a:endParaRPr lang="en-US"/>
           </a:p>
@@ -1009,7 +1009,7 @@
           <a:p>
             <a:fld id="{17FCDBB0-6DA1-4273-B163-CEF2F6BB3294}" type="datetimeFigureOut">
               <a:rPr lang="en-US" smtClean="0"/>
-              <a:t>8/20/2023</a:t>
+              <a:t>10/4/2023</a:t>
             </a:fld>
             <a:endParaRPr lang="en-US"/>
           </a:p>
@@ -1241,7 +1241,7 @@
           <a:p>
             <a:fld id="{17FCDBB0-6DA1-4273-B163-CEF2F6BB3294}" type="datetimeFigureOut">
               <a:rPr lang="en-US" smtClean="0"/>
-              <a:t>8/20/2023</a:t>
+              <a:t>10/4/2023</a:t>
             </a:fld>
             <a:endParaRPr lang="en-US"/>
           </a:p>
@@ -1608,7 +1608,7 @@
           <a:p>
             <a:fld id="{17FCDBB0-6DA1-4273-B163-CEF2F6BB3294}" type="datetimeFigureOut">
               <a:rPr lang="en-US" smtClean="0"/>
-              <a:t>8/20/2023</a:t>
+              <a:t>10/4/2023</a:t>
             </a:fld>
             <a:endParaRPr lang="en-US"/>
           </a:p>
@@ -1726,7 +1726,7 @@
           <a:p>
             <a:fld id="{17FCDBB0-6DA1-4273-B163-CEF2F6BB3294}" type="datetimeFigureOut">
               <a:rPr lang="en-US" smtClean="0"/>
-              <a:t>8/20/2023</a:t>
+              <a:t>10/4/2023</a:t>
             </a:fld>
             <a:endParaRPr lang="en-US"/>
           </a:p>
@@ -1821,7 +1821,7 @@
           <a:p>
             <a:fld id="{17FCDBB0-6DA1-4273-B163-CEF2F6BB3294}" type="datetimeFigureOut">
               <a:rPr lang="en-US" smtClean="0"/>
-              <a:t>8/20/2023</a:t>
+              <a:t>10/4/2023</a:t>
             </a:fld>
             <a:endParaRPr lang="en-US"/>
           </a:p>
@@ -2098,7 +2098,7 @@
           <a:p>
             <a:fld id="{17FCDBB0-6DA1-4273-B163-CEF2F6BB3294}" type="datetimeFigureOut">
               <a:rPr lang="en-US" smtClean="0"/>
-              <a:t>8/20/2023</a:t>
+              <a:t>10/4/2023</a:t>
             </a:fld>
             <a:endParaRPr lang="en-US"/>
           </a:p>
@@ -2355,7 +2355,7 @@
           <a:p>
             <a:fld id="{17FCDBB0-6DA1-4273-B163-CEF2F6BB3294}" type="datetimeFigureOut">
               <a:rPr lang="en-US" smtClean="0"/>
-              <a:t>8/20/2023</a:t>
+              <a:t>10/4/2023</a:t>
             </a:fld>
             <a:endParaRPr lang="en-US"/>
           </a:p>
@@ -2568,7 +2568,7 @@
           <a:p>
             <a:fld id="{17FCDBB0-6DA1-4273-B163-CEF2F6BB3294}" type="datetimeFigureOut">
               <a:rPr lang="en-US" smtClean="0"/>
-              <a:t>8/20/2023</a:t>
+              <a:t>10/4/2023</a:t>
             </a:fld>
             <a:endParaRPr lang="en-US"/>
           </a:p>
@@ -2987,8 +2987,8 @@
         </p:nvSpPr>
         <p:spPr>
           <a:xfrm>
-            <a:off x="180800" y="70544"/>
-            <a:ext cx="2743808" cy="4933289"/>
+            <a:off x="23141" y="70544"/>
+            <a:ext cx="2789763" cy="4933289"/>
           </a:xfrm>
           <a:prstGeom prst="roundRect">
             <a:avLst/>
@@ -3038,8 +3038,8 @@
         </p:nvCxnSpPr>
         <p:spPr>
           <a:xfrm>
-            <a:off x="1004918" y="3711249"/>
-            <a:ext cx="0" cy="680062"/>
+            <a:off x="847260" y="3670563"/>
+            <a:ext cx="0" cy="720748"/>
           </a:xfrm>
           <a:prstGeom prst="line">
             <a:avLst/>
@@ -3080,8 +3080,8 @@
         </p:nvCxnSpPr>
         <p:spPr>
           <a:xfrm flipV="1">
-            <a:off x="2198106" y="3635661"/>
-            <a:ext cx="0" cy="702042"/>
+            <a:off x="2040448" y="3635661"/>
+            <a:ext cx="0" cy="639665"/>
           </a:xfrm>
           <a:prstGeom prst="line">
             <a:avLst/>
@@ -3122,7 +3122,7 @@
         </p:nvCxnSpPr>
         <p:spPr>
           <a:xfrm rot="-2700000">
-            <a:off x="1316377" y="1227910"/>
+            <a:off x="1179039" y="1227910"/>
             <a:ext cx="4838" cy="634906"/>
           </a:xfrm>
           <a:prstGeom prst="line">
@@ -3164,7 +3164,7 @@
         </p:nvCxnSpPr>
         <p:spPr>
           <a:xfrm rot="2700000" flipH="1" flipV="1">
-            <a:off x="1796005" y="1164092"/>
+            <a:off x="1658667" y="1164092"/>
             <a:ext cx="3" cy="709444"/>
           </a:xfrm>
           <a:prstGeom prst="line">
@@ -3204,8 +3204,8 @@
         </p:nvSpPr>
         <p:spPr>
           <a:xfrm rot="16200000">
-            <a:off x="5676947" y="-539135"/>
-            <a:ext cx="1893913" cy="7036632"/>
+            <a:off x="5464333" y="-436658"/>
+            <a:ext cx="1893913" cy="7036633"/>
           </a:xfrm>
           <a:prstGeom prst="roundRect">
             <a:avLst/>
@@ -3253,8 +3253,8 @@
         </p:nvSpPr>
         <p:spPr>
           <a:xfrm>
-            <a:off x="570994" y="2746107"/>
-            <a:ext cx="1957024" cy="962025"/>
+            <a:off x="330035" y="2726048"/>
+            <a:ext cx="2185086" cy="944515"/>
           </a:xfrm>
           <a:prstGeom prst="rect">
             <a:avLst/>
@@ -3304,8 +3304,21 @@
                   <a:schemeClr val="tx1"/>
                 </a:solidFill>
               </a:rPr>
-              <a:t>(synthesized and cleaned datasets)</a:t>
-            </a:r>
+              <a:t>(</a:t>
+            </a:r>
+            <a:r>
+              <a:rPr lang="en-US" sz="1100" dirty="0">
+                <a:solidFill>
+                  <a:schemeClr val="tx1"/>
+                </a:solidFill>
+              </a:rPr>
+              <a:t>synthesized and cleaned datasets)</a:t>
+            </a:r>
+            <a:endParaRPr lang="en-US" sz="1400" dirty="0">
+              <a:solidFill>
+                <a:schemeClr val="tx1"/>
+              </a:solidFill>
+            </a:endParaRPr>
           </a:p>
         </p:txBody>
       </p:sp>
@@ -3323,8 +3336,8 @@
         </p:nvSpPr>
         <p:spPr>
           <a:xfrm>
-            <a:off x="571504" y="1769646"/>
-            <a:ext cx="1957025" cy="510753"/>
+            <a:off x="201622" y="1769646"/>
+            <a:ext cx="2427888" cy="510753"/>
           </a:xfrm>
           <a:prstGeom prst="rect">
             <a:avLst/>
@@ -3366,6 +3379,17 @@
               <a:t>Data wrangling</a:t>
             </a:r>
           </a:p>
+          <a:p>
+            <a:pPr algn="ctr"/>
+            <a:r>
+              <a:rPr lang="en-US" sz="1100" dirty="0">
+                <a:solidFill>
+                  <a:schemeClr val="tx1"/>
+                </a:solidFill>
+              </a:rPr>
+              <a:t>(find matching ids between datasets)</a:t>
+            </a:r>
+          </a:p>
         </p:txBody>
       </p:sp>
       <p:sp>
@@ -3382,8 +3406,8 @@
         </p:nvSpPr>
         <p:spPr>
           <a:xfrm>
-            <a:off x="3360825" y="2801240"/>
-            <a:ext cx="2157568" cy="863491"/>
+            <a:off x="2950911" y="2726048"/>
+            <a:ext cx="2157568" cy="948843"/>
           </a:xfrm>
           <a:prstGeom prst="rect">
             <a:avLst/>
@@ -3428,7 +3452,7 @@
           <a:p>
             <a:pPr algn="ctr"/>
             <a:r>
-              <a:rPr lang="en-US" sz="1400" dirty="0">
+              <a:rPr lang="en-US" sz="1100" dirty="0">
                 <a:solidFill>
                   <a:schemeClr val="tx1"/>
                 </a:solidFill>
@@ -3439,7 +3463,7 @@
           <a:p>
             <a:pPr algn="ctr"/>
             <a:r>
-              <a:rPr lang="en-US" sz="1400" dirty="0">
+              <a:rPr lang="en-US" sz="1100" dirty="0">
                 <a:solidFill>
                   <a:schemeClr val="tx1"/>
                 </a:solidFill>
@@ -3463,8 +3487,8 @@
         </p:nvSpPr>
         <p:spPr>
           <a:xfrm>
-            <a:off x="5926177" y="2801236"/>
-            <a:ext cx="2226498" cy="863492"/>
+            <a:off x="5358609" y="2731128"/>
+            <a:ext cx="2226498" cy="948840"/>
           </a:xfrm>
           <a:prstGeom prst="rect">
             <a:avLst/>
@@ -3509,23 +3533,23 @@
           <a:p>
             <a:pPr algn="ctr"/>
             <a:r>
-              <a:rPr lang="en-US" sz="1400" dirty="0">
+              <a:rPr lang="en-US" sz="1100" dirty="0">
                 <a:solidFill>
                   <a:schemeClr val="tx1"/>
                 </a:solidFill>
               </a:rPr>
-              <a:t>- hyperparameter selection</a:t>
+              <a:t>- hyperparameter selection </a:t>
             </a:r>
           </a:p>
           <a:p>
             <a:pPr algn="ctr"/>
             <a:r>
-              <a:rPr lang="en-US" sz="1400" dirty="0">
+              <a:rPr lang="en-US" sz="1100" dirty="0">
                 <a:solidFill>
                   <a:schemeClr val="tx1"/>
                 </a:solidFill>
               </a:rPr>
-              <a:t>- ranking procedure</a:t>
+              <a:t>- scoring and ranking models</a:t>
             </a:r>
           </a:p>
         </p:txBody>
@@ -3544,8 +3568,8 @@
         </p:nvSpPr>
         <p:spPr>
           <a:xfrm>
-            <a:off x="10372365" y="2805850"/>
-            <a:ext cx="1591103" cy="854553"/>
+            <a:off x="10041959" y="2738388"/>
+            <a:ext cx="2080461" cy="922015"/>
           </a:xfrm>
           <a:prstGeom prst="rect">
             <a:avLst/>
@@ -3595,7 +3619,34 @@
                   <a:schemeClr val="tx1"/>
                 </a:solidFill>
               </a:rPr>
-              <a:t>deployment</a:t>
+              <a:t>Deployment</a:t>
+            </a:r>
+          </a:p>
+          <a:p>
+            <a:pPr algn="ctr"/>
+            <a:r>
+              <a:rPr lang="en-US" sz="1100" dirty="0">
+                <a:solidFill>
+                  <a:schemeClr val="tx1"/>
+                </a:solidFill>
+              </a:rPr>
+              <a:t>- web-based app created with </a:t>
+            </a:r>
+            <a:r>
+              <a:rPr lang="en-US" sz="1100" dirty="0" err="1">
+                <a:solidFill>
+                  <a:schemeClr val="tx1"/>
+                </a:solidFill>
+              </a:rPr>
+              <a:t>Gradio</a:t>
+            </a:r>
+            <a:r>
+              <a:rPr lang="en-US" sz="1100" dirty="0">
+                <a:solidFill>
+                  <a:schemeClr val="tx1"/>
+                </a:solidFill>
+              </a:rPr>
+              <a:t>, hosted on Hugging Face</a:t>
             </a:r>
           </a:p>
         </p:txBody>
@@ -3611,14 +3662,13 @@
           </p:cNvPr>
           <p:cNvCxnSpPr>
             <a:cxnSpLocks/>
-            <a:stCxn id="10" idx="2"/>
           </p:cNvCxnSpPr>
           <p:nvPr/>
         </p:nvCxnSpPr>
         <p:spPr>
-          <a:xfrm>
-            <a:off x="11167917" y="3660403"/>
-            <a:ext cx="0" cy="922016"/>
+          <a:xfrm flipH="1">
+            <a:off x="11001059" y="3662308"/>
+            <a:ext cx="5221" cy="897255"/>
           </a:xfrm>
           <a:prstGeom prst="line">
             <a:avLst/>
@@ -3654,8 +3704,8 @@
         </p:nvSpPr>
         <p:spPr>
           <a:xfrm>
-            <a:off x="571504" y="4330190"/>
-            <a:ext cx="1957021" cy="549278"/>
+            <a:off x="206583" y="4275326"/>
+            <a:ext cx="2427889" cy="549278"/>
           </a:xfrm>
           <a:prstGeom prst="rect">
             <a:avLst/>
@@ -3697,6 +3747,30 @@
               <a:t>Database updating</a:t>
             </a:r>
           </a:p>
+          <a:p>
+            <a:pPr algn="ctr"/>
+            <a:r>
+              <a:rPr lang="en-US" sz="1400" dirty="0">
+                <a:solidFill>
+                  <a:schemeClr val="tx1"/>
+                </a:solidFill>
+              </a:rPr>
+              <a:t>(</a:t>
+            </a:r>
+            <a:r>
+              <a:rPr lang="en-US" sz="1100" dirty="0">
+                <a:solidFill>
+                  <a:schemeClr val="tx1"/>
+                </a:solidFill>
+              </a:rPr>
+              <a:t>consistent formatting, fix inaccuracies)</a:t>
+            </a:r>
+            <a:endParaRPr lang="en-US" sz="1400" dirty="0">
+              <a:solidFill>
+                <a:schemeClr val="tx1"/>
+              </a:solidFill>
+            </a:endParaRPr>
+          </a:p>
         </p:txBody>
       </p:sp>
       <p:sp>
@@ -3713,7 +3787,7 @@
         </p:nvSpPr>
         <p:spPr>
           <a:xfrm>
-            <a:off x="180800" y="52870"/>
+            <a:off x="43462" y="52870"/>
             <a:ext cx="2743808" cy="369332"/>
           </a:xfrm>
           <a:prstGeom prst="rect">
@@ -3749,7 +3823,7 @@
         </p:nvSpPr>
         <p:spPr>
           <a:xfrm>
-            <a:off x="3105583" y="1984049"/>
+            <a:off x="2829680" y="1755448"/>
             <a:ext cx="7036632" cy="369332"/>
           </a:xfrm>
           <a:prstGeom prst="rect">
@@ -3785,8 +3859,8 @@
         </p:nvSpPr>
         <p:spPr>
           <a:xfrm>
-            <a:off x="467373" y="451439"/>
-            <a:ext cx="978513" cy="867355"/>
+            <a:off x="73536" y="451439"/>
+            <a:ext cx="1391535" cy="867355"/>
           </a:xfrm>
           <a:prstGeom prst="rect">
             <a:avLst/>
@@ -3825,7 +3899,34 @@
                   <a:schemeClr val="tx1"/>
                 </a:solidFill>
               </a:rPr>
-              <a:t>Raw script dataset</a:t>
+              <a:t>Film script dataset</a:t>
+            </a:r>
+          </a:p>
+          <a:p>
+            <a:pPr algn="ctr"/>
+            <a:r>
+              <a:rPr lang="en-US" sz="1100" dirty="0">
+                <a:solidFill>
+                  <a:schemeClr val="tx1"/>
+                </a:solidFill>
+              </a:rPr>
+              <a:t>- </a:t>
+            </a:r>
+            <a:r>
+              <a:rPr lang="en-US" sz="1100" dirty="0" err="1">
+                <a:solidFill>
+                  <a:schemeClr val="tx1"/>
+                </a:solidFill>
+              </a:rPr>
+              <a:t>IMSDb</a:t>
+            </a:r>
+            <a:r>
+              <a:rPr lang="en-US" sz="1100" dirty="0">
+                <a:solidFill>
+                  <a:schemeClr val="tx1"/>
+                </a:solidFill>
+              </a:rPr>
+              <a:t>, Springfield!</a:t>
             </a:r>
           </a:p>
         </p:txBody>
@@ -3844,8 +3945,8 @@
         </p:nvSpPr>
         <p:spPr>
           <a:xfrm>
-            <a:off x="1732162" y="457374"/>
-            <a:ext cx="978513" cy="867355"/>
+            <a:off x="1465071" y="449228"/>
+            <a:ext cx="1306950" cy="867355"/>
           </a:xfrm>
           <a:prstGeom prst="rect">
             <a:avLst/>
@@ -3886,6 +3987,30 @@
               </a:rPr>
               <a:t>Public datasets</a:t>
             </a:r>
+          </a:p>
+          <a:p>
+            <a:pPr algn="ctr"/>
+            <a:r>
+              <a:rPr lang="en-US" sz="1050" dirty="0">
+                <a:solidFill>
+                  <a:schemeClr val="tx1"/>
+                </a:solidFill>
+              </a:rPr>
+              <a:t>- IMDb, </a:t>
+            </a:r>
+            <a:r>
+              <a:rPr lang="en-US" sz="1050" dirty="0" err="1">
+                <a:solidFill>
+                  <a:schemeClr val="tx1"/>
+                </a:solidFill>
+              </a:rPr>
+              <a:t>MovieLens</a:t>
+            </a:r>
+            <a:endParaRPr lang="en-US" sz="1050" dirty="0">
+              <a:solidFill>
+                <a:schemeClr val="tx1"/>
+              </a:solidFill>
+            </a:endParaRPr>
           </a:p>
         </p:txBody>
       </p:sp>
@@ -3905,8 +4030,8 @@
         </p:nvCxnSpPr>
         <p:spPr>
           <a:xfrm flipH="1">
-            <a:off x="4434388" y="2378214"/>
-            <a:ext cx="4820404" cy="18471"/>
+            <a:off x="4024474" y="2380119"/>
+            <a:ext cx="4954415" cy="16567"/>
           </a:xfrm>
           <a:prstGeom prst="line">
             <a:avLst/>
@@ -3944,7 +4069,7 @@
         </p:nvCxnSpPr>
         <p:spPr>
           <a:xfrm>
-            <a:off x="9237175" y="2396681"/>
+            <a:off x="8963177" y="2396681"/>
             <a:ext cx="0" cy="400226"/>
           </a:xfrm>
           <a:prstGeom prst="line">
@@ -3981,8 +4106,8 @@
         </p:nvSpPr>
         <p:spPr>
           <a:xfrm>
-            <a:off x="8523730" y="2796907"/>
-            <a:ext cx="1421810" cy="863492"/>
+            <a:off x="7832909" y="2738388"/>
+            <a:ext cx="1963912" cy="926340"/>
           </a:xfrm>
           <a:prstGeom prst="rect">
             <a:avLst/>
@@ -4022,6 +4147,68 @@
                 </a:solidFill>
               </a:rPr>
               <a:t>Model evaluation</a:t>
+            </a:r>
+          </a:p>
+          <a:p>
+            <a:pPr algn="ctr"/>
+            <a:r>
+              <a:rPr lang="en-US" sz="1100" dirty="0">
+                <a:solidFill>
+                  <a:schemeClr val="tx1"/>
+                </a:solidFill>
+              </a:rPr>
+              <a:t>- interpret LDA topics</a:t>
+            </a:r>
+          </a:p>
+          <a:p>
+            <a:pPr algn="ctr"/>
+            <a:r>
+              <a:rPr lang="en-US" sz="1100" dirty="0">
+                <a:solidFill>
+                  <a:schemeClr val="tx1"/>
+                </a:solidFill>
+              </a:rPr>
+              <a:t>- RMSE, </a:t>
+            </a:r>
+            <a:r>
+              <a:rPr lang="en-US" sz="1100" dirty="0" err="1">
+                <a:solidFill>
+                  <a:schemeClr val="tx1"/>
+                </a:solidFill>
+              </a:rPr>
+              <a:t>recall@k</a:t>
+            </a:r>
+            <a:r>
+              <a:rPr lang="en-US" sz="1100" dirty="0">
+                <a:solidFill>
+                  <a:schemeClr val="tx1"/>
+                </a:solidFill>
+              </a:rPr>
+              <a:t>, </a:t>
+            </a:r>
+            <a:r>
+              <a:rPr lang="en-US" sz="1100" dirty="0" err="1">
+                <a:solidFill>
+                  <a:schemeClr val="tx1"/>
+                </a:solidFill>
+              </a:rPr>
+              <a:t>precision@k</a:t>
+            </a:r>
+            <a:endParaRPr lang="en-US" sz="1100" dirty="0">
+              <a:solidFill>
+                <a:schemeClr val="tx1"/>
+              </a:solidFill>
+            </a:endParaRPr>
+          </a:p>
+          <a:p>
+            <a:pPr algn="ctr"/>
+            <a:r>
+              <a:rPr lang="en-US" sz="1100" dirty="0">
+                <a:solidFill>
+                  <a:schemeClr val="tx1"/>
+                </a:solidFill>
+              </a:rPr>
+              <a:t>- filtering and ordering of</a:t>
             </a:r>
           </a:p>
         </p:txBody>
@@ -4043,9 +4230,9 @@
           <p:nvPr/>
         </p:nvCxnSpPr>
         <p:spPr>
-          <a:xfrm flipV="1">
-            <a:off x="1549510" y="2280395"/>
-            <a:ext cx="507" cy="465708"/>
+          <a:xfrm flipH="1" flipV="1">
+            <a:off x="1415566" y="2280399"/>
+            <a:ext cx="7012" cy="445649"/>
           </a:xfrm>
           <a:prstGeom prst="line">
             <a:avLst/>
@@ -4088,8 +4275,8 @@
         </p:nvCxnSpPr>
         <p:spPr>
           <a:xfrm flipH="1" flipV="1">
-            <a:off x="2528022" y="3227116"/>
-            <a:ext cx="832807" cy="5866"/>
+            <a:off x="2515121" y="3198306"/>
+            <a:ext cx="435790" cy="2164"/>
           </a:xfrm>
           <a:prstGeom prst="line">
             <a:avLst/>
@@ -4131,9 +4318,9 @@
           <p:nvPr/>
         </p:nvCxnSpPr>
         <p:spPr>
-          <a:xfrm flipH="1">
-            <a:off x="5518393" y="3232982"/>
-            <a:ext cx="407784" cy="0"/>
+          <a:xfrm flipH="1" flipV="1">
+            <a:off x="5108479" y="3200470"/>
+            <a:ext cx="250130" cy="5078"/>
           </a:xfrm>
           <a:prstGeom prst="line">
             <a:avLst/>
@@ -4176,8 +4363,8 @@
         </p:nvCxnSpPr>
         <p:spPr>
           <a:xfrm flipH="1">
-            <a:off x="8152679" y="3228657"/>
-            <a:ext cx="371055" cy="4329"/>
+            <a:off x="7585107" y="3201558"/>
+            <a:ext cx="247802" cy="3990"/>
           </a:xfrm>
           <a:prstGeom prst="line">
             <a:avLst/>
@@ -4219,9 +4406,9 @@
           <p:nvPr/>
         </p:nvCxnSpPr>
         <p:spPr>
-          <a:xfrm flipH="1" flipV="1">
-            <a:off x="9945544" y="3228653"/>
-            <a:ext cx="426821" cy="4470"/>
+          <a:xfrm flipH="1">
+            <a:off x="9796821" y="3199396"/>
+            <a:ext cx="245138" cy="2162"/>
           </a:xfrm>
           <a:prstGeom prst="line">
             <a:avLst/>
@@ -4257,14 +4444,13 @@
           </p:cNvPr>
           <p:cNvCxnSpPr>
             <a:cxnSpLocks/>
-            <a:stCxn id="48" idx="3"/>
           </p:cNvCxnSpPr>
           <p:nvPr/>
         </p:nvCxnSpPr>
         <p:spPr>
           <a:xfrm flipV="1">
-            <a:off x="7930830" y="4565746"/>
-            <a:ext cx="3225775" cy="16677"/>
+            <a:off x="7654927" y="4540977"/>
+            <a:ext cx="3346132" cy="16681"/>
           </a:xfrm>
           <a:prstGeom prst="line">
             <a:avLst/>
@@ -4306,7 +4492,7 @@
         </p:nvCxnSpPr>
         <p:spPr>
           <a:xfrm flipH="1">
-            <a:off x="4434388" y="3664731"/>
+            <a:off x="4024474" y="3674891"/>
             <a:ext cx="5221" cy="917688"/>
           </a:xfrm>
           <a:prstGeom prst="line">
@@ -4348,8 +4534,8 @@
         </p:nvCxnSpPr>
         <p:spPr>
           <a:xfrm>
-            <a:off x="4417882" y="4582419"/>
-            <a:ext cx="3230693" cy="0"/>
+            <a:off x="4019253" y="4576704"/>
+            <a:ext cx="3353419" cy="0"/>
           </a:xfrm>
           <a:prstGeom prst="line">
             <a:avLst/>
@@ -4388,8 +4574,8 @@
         </p:nvCxnSpPr>
         <p:spPr>
           <a:xfrm flipV="1">
-            <a:off x="4439609" y="2380119"/>
-            <a:ext cx="0" cy="421121"/>
+            <a:off x="4029695" y="2390279"/>
+            <a:ext cx="0" cy="335769"/>
           </a:xfrm>
           <a:prstGeom prst="line">
             <a:avLst/>
@@ -4428,7 +4614,7 @@
         </p:nvSpPr>
         <p:spPr>
           <a:xfrm>
-            <a:off x="6339727" y="4190059"/>
+            <a:off x="6063824" y="4190059"/>
             <a:ext cx="1591103" cy="784727"/>
           </a:xfrm>
           <a:prstGeom prst="rect">
@@ -4487,8 +4673,8 @@
         </p:nvSpPr>
         <p:spPr>
           <a:xfrm>
-            <a:off x="4105073" y="70544"/>
-            <a:ext cx="5321030" cy="954107"/>
+            <a:off x="3947415" y="70544"/>
+            <a:ext cx="5321030" cy="523220"/>
           </a:xfrm>
           <a:prstGeom prst="rect">
             <a:avLst/>
@@ -4504,7 +4690,7 @@
             <a:pPr algn="ctr"/>
             <a:r>
               <a:rPr lang="en-US" sz="2800" dirty="0"/>
-              <a:t>Content-Based Movie Recommender System Workflow</a:t>
+              <a:t>Recommender System Workflow</a:t>
             </a:r>
           </a:p>
         </p:txBody>
@@ -4784,21 +4970,6 @@
 </file>
 
 <file path=customXml/item1.xml><?xml version="1.0" encoding="utf-8"?>
-<p:properties xmlns:p="http://schemas.microsoft.com/office/2006/metadata/properties" xmlns:xsi="http://www.w3.org/2001/XMLSchema-instance" xmlns:pc="http://schemas.microsoft.com/office/infopath/2007/PartnerControls">
-  <documentManagement/>
-</p:properties>
-</file>
-
-<file path=customXml/item2.xml><?xml version="1.0" encoding="utf-8"?>
-<?mso-contentType ?>
-<FormTemplates xmlns="http://schemas.microsoft.com/sharepoint/v3/contenttype/forms">
-  <Display>DocumentLibraryForm</Display>
-  <Edit>DocumentLibraryForm</Edit>
-  <New>DocumentLibraryForm</New>
-</FormTemplates>
-</file>
-
-<file path=customXml/item3.xml><?xml version="1.0" encoding="utf-8"?>
 <ct:contentTypeSchema xmlns:ct="http://schemas.microsoft.com/office/2006/metadata/contentType" xmlns:ma="http://schemas.microsoft.com/office/2006/metadata/properties/metaAttributes" ct:_="" ma:_="" ma:contentTypeName="Document" ma:contentTypeID="0x0101002ADD9461207AAF46963E966C10F44718" ma:contentTypeVersion="0" ma:contentTypeDescription="Create a new document." ma:contentTypeScope="" ma:versionID="981f7b8e372e880302cee74e342ef014">
   <xsd:schema xmlns:xsd="http://www.w3.org/2001/XMLSchema" xmlns:xs="http://www.w3.org/2001/XMLSchema" xmlns:p="http://schemas.microsoft.com/office/2006/metadata/properties" targetNamespace="http://schemas.microsoft.com/office/2006/metadata/properties" ma:root="true" ma:fieldsID="6065b0337e3b92882dce6e5632cc42cc">
     <xsd:element name="properties">
@@ -4912,17 +5083,33 @@
 </ct:contentTypeSchema>
 </file>
 
+<file path=customXml/item2.xml><?xml version="1.0" encoding="utf-8"?>
+<?mso-contentType ?>
+<FormTemplates xmlns="http://schemas.microsoft.com/sharepoint/v3/contenttype/forms">
+  <Display>DocumentLibraryForm</Display>
+  <Edit>DocumentLibraryForm</Edit>
+  <New>DocumentLibraryForm</New>
+</FormTemplates>
+</file>
+
+<file path=customXml/item3.xml><?xml version="1.0" encoding="utf-8"?>
+<p:properties xmlns:p="http://schemas.microsoft.com/office/2006/metadata/properties" xmlns:xsi="http://www.w3.org/2001/XMLSchema-instance" xmlns:pc="http://schemas.microsoft.com/office/infopath/2007/PartnerControls">
+  <documentManagement/>
+</p:properties>
+</file>
+
 <file path=customXml/itemProps1.xml><?xml version="1.0" encoding="utf-8"?>
-<ds:datastoreItem xmlns:ds="http://schemas.openxmlformats.org/officeDocument/2006/customXml" ds:itemID="{0D37A734-5CFD-441D-AFD9-4349074C4BCE}">
+<ds:datastoreItem xmlns:ds="http://schemas.openxmlformats.org/officeDocument/2006/customXml" ds:itemID="{BFC6F3D3-5CEA-4176-814E-E659EE8F2A68}">
   <ds:schemaRefs>
+    <ds:schemaRef ds:uri="http://schemas.microsoft.com/office/2006/metadata/contentType"/>
+    <ds:schemaRef ds:uri="http://schemas.microsoft.com/office/2006/metadata/properties/metaAttributes"/>
+    <ds:schemaRef ds:uri="http://www.w3.org/2001/XMLSchema"/>
+    <ds:schemaRef ds:uri="http://schemas.microsoft.com/office/2006/metadata/properties"/>
+    <ds:schemaRef ds:uri="http://schemas.openxmlformats.org/package/2006/metadata/core-properties"/>
     <ds:schemaRef ds:uri="http://purl.org/dc/elements/1.1/"/>
-    <ds:schemaRef ds:uri="http://schemas.microsoft.com/office/2006/documentManagement/types"/>
     <ds:schemaRef ds:uri="http://purl.org/dc/terms/"/>
+    <ds:schemaRef ds:uri="http://schemas.microsoft.com/internal/obd"/>
     <ds:schemaRef ds:uri="http://schemas.microsoft.com/office/infopath/2007/PartnerControls"/>
-    <ds:schemaRef ds:uri="http://schemas.openxmlformats.org/package/2006/metadata/core-properties"/>
-    <ds:schemaRef ds:uri="http://schemas.microsoft.com/office/2006/metadata/properties"/>
-    <ds:schemaRef ds:uri="http://www.w3.org/XML/1998/namespace"/>
-    <ds:schemaRef ds:uri="http://purl.org/dc/dcmitype/"/>
   </ds:schemaRefs>
 </ds:datastoreItem>
 </file>
@@ -4936,17 +5123,16 @@
 </file>
 
 <file path=customXml/itemProps3.xml><?xml version="1.0" encoding="utf-8"?>
-<ds:datastoreItem xmlns:ds="http://schemas.openxmlformats.org/officeDocument/2006/customXml" ds:itemID="{BFC6F3D3-5CEA-4176-814E-E659EE8F2A68}">
+<ds:datastoreItem xmlns:ds="http://schemas.openxmlformats.org/officeDocument/2006/customXml" ds:itemID="{0D37A734-5CFD-441D-AFD9-4349074C4BCE}">
   <ds:schemaRefs>
-    <ds:schemaRef ds:uri="http://schemas.microsoft.com/office/2006/metadata/contentType"/>
-    <ds:schemaRef ds:uri="http://schemas.microsoft.com/office/2006/metadata/properties/metaAttributes"/>
-    <ds:schemaRef ds:uri="http://www.w3.org/2001/XMLSchema"/>
+    <ds:schemaRef ds:uri="http://purl.org/dc/elements/1.1/"/>
+    <ds:schemaRef ds:uri="http://schemas.microsoft.com/office/2006/documentManagement/types"/>
+    <ds:schemaRef ds:uri="http://purl.org/dc/terms/"/>
+    <ds:schemaRef ds:uri="http://schemas.microsoft.com/office/infopath/2007/PartnerControls"/>
+    <ds:schemaRef ds:uri="http://schemas.openxmlformats.org/package/2006/metadata/core-properties"/>
     <ds:schemaRef ds:uri="http://schemas.microsoft.com/office/2006/metadata/properties"/>
-    <ds:schemaRef ds:uri="http://schemas.openxmlformats.org/package/2006/metadata/core-properties"/>
-    <ds:schemaRef ds:uri="http://purl.org/dc/elements/1.1/"/>
-    <ds:schemaRef ds:uri="http://purl.org/dc/terms/"/>
-    <ds:schemaRef ds:uri="http://schemas.microsoft.com/internal/obd"/>
-    <ds:schemaRef ds:uri="http://schemas.microsoft.com/office/infopath/2007/PartnerControls"/>
+    <ds:schemaRef ds:uri="http://www.w3.org/XML/1998/namespace"/>
+    <ds:schemaRef ds:uri="http://purl.org/dc/dcmitype/"/>
   </ds:schemaRefs>
 </ds:datastoreItem>
 </file>